--- a/Class Slides 2024/Class 8.pptx
+++ b/Class Slides 2024/Class 8.pptx
@@ -5,7 +5,7 @@
     <p:sldMasterId id="2147483648" r:id="rId1"/>
   </p:sldMasterIdLst>
   <p:notesMasterIdLst>
-    <p:notesMasterId r:id="rId19"/>
+    <p:notesMasterId r:id="rId12"/>
   </p:notesMasterIdLst>
   <p:sldIdLst>
     <p:sldId id="256" r:id="rId2"/>
@@ -17,14 +17,7 @@
     <p:sldId id="275" r:id="rId8"/>
     <p:sldId id="276" r:id="rId9"/>
     <p:sldId id="274" r:id="rId10"/>
-    <p:sldId id="353" r:id="rId11"/>
-    <p:sldId id="350" r:id="rId12"/>
-    <p:sldId id="351" r:id="rId13"/>
-    <p:sldId id="277" r:id="rId14"/>
-    <p:sldId id="352" r:id="rId15"/>
-    <p:sldId id="341" r:id="rId16"/>
-    <p:sldId id="342" r:id="rId17"/>
-    <p:sldId id="278" r:id="rId18"/>
+    <p:sldId id="278" r:id="rId11"/>
   </p:sldIdLst>
   <p:sldSz cx="12192000" cy="6858000"/>
   <p:notesSz cx="6858000" cy="9144000"/>
@@ -571,7 +564,7 @@
           <a:p>
             <a:fld id="{FA1B9F50-FE6C-4F6B-8908-CB1C4B189899}" type="datetimeFigureOut">
               <a:rPr lang="en-US" smtClean="0"/>
-              <a:t>1/8/2024</a:t>
+              <a:t>1/11/2024</a:t>
             </a:fld>
             <a:endParaRPr lang="en-US"/>
           </a:p>
@@ -1099,96 +1092,6 @@
 </p:notes>
 </file>
 
-<file path=ppt/notesSlides/notesSlide4.xml><?xml version="1.0" encoding="utf-8"?>
-<p:notes xmlns:a="http://schemas.openxmlformats.org/drawingml/2006/main" xmlns:r="http://schemas.openxmlformats.org/officeDocument/2006/relationships" xmlns:p="http://schemas.openxmlformats.org/presentationml/2006/main">
-  <p:cSld>
-    <p:spTree>
-      <p:nvGrpSpPr>
-        <p:cNvPr id="1" name=""/>
-        <p:cNvGrpSpPr/>
-        <p:nvPr/>
-      </p:nvGrpSpPr>
-      <p:grpSpPr>
-        <a:xfrm>
-          <a:off x="0" y="0"/>
-          <a:ext cx="0" cy="0"/>
-          <a:chOff x="0" y="0"/>
-          <a:chExt cx="0" cy="0"/>
-        </a:xfrm>
-      </p:grpSpPr>
-      <p:sp>
-        <p:nvSpPr>
-          <p:cNvPr id="2" name="Slide Image Placeholder 1"/>
-          <p:cNvSpPr>
-            <a:spLocks noGrp="1" noRot="1" noChangeAspect="1"/>
-          </p:cNvSpPr>
-          <p:nvPr>
-            <p:ph type="sldImg"/>
-          </p:nvPr>
-        </p:nvSpPr>
-        <p:spPr/>
-      </p:sp>
-      <p:sp>
-        <p:nvSpPr>
-          <p:cNvPr id="3" name="Notes Placeholder 2"/>
-          <p:cNvSpPr>
-            <a:spLocks noGrp="1"/>
-          </p:cNvSpPr>
-          <p:nvPr>
-            <p:ph type="body" idx="1"/>
-          </p:nvPr>
-        </p:nvSpPr>
-        <p:spPr/>
-        <p:txBody>
-          <a:bodyPr/>
-          <a:lstStyle/>
-          <a:p>
-            <a:endParaRPr lang="en-US" dirty="0"/>
-          </a:p>
-        </p:txBody>
-      </p:sp>
-      <p:sp>
-        <p:nvSpPr>
-          <p:cNvPr id="4" name="Slide Number Placeholder 3"/>
-          <p:cNvSpPr>
-            <a:spLocks noGrp="1"/>
-          </p:cNvSpPr>
-          <p:nvPr>
-            <p:ph type="sldNum" sz="quarter" idx="5"/>
-          </p:nvPr>
-        </p:nvSpPr>
-        <p:spPr/>
-        <p:txBody>
-          <a:bodyPr/>
-          <a:lstStyle/>
-          <a:p>
-            <a:pPr>
-              <a:defRPr/>
-            </a:pPr>
-            <a:fld id="{A209961E-0A26-45CB-B2A9-D09862605DC9}" type="slidenum">
-              <a:rPr lang="en-US" smtClean="0"/>
-              <a:pPr>
-                <a:defRPr/>
-              </a:pPr>
-              <a:t>16</a:t>
-            </a:fld>
-            <a:endParaRPr lang="en-US"/>
-          </a:p>
-        </p:txBody>
-      </p:sp>
-    </p:spTree>
-    <p:extLst>
-      <p:ext uri="{BB962C8B-B14F-4D97-AF65-F5344CB8AC3E}">
-        <p14:creationId xmlns:p14="http://schemas.microsoft.com/office/powerpoint/2010/main" val="3026861373"/>
-      </p:ext>
-    </p:extLst>
-  </p:cSld>
-  <p:clrMapOvr>
-    <a:masterClrMapping/>
-  </p:clrMapOvr>
-</p:notes>
-</file>
-
 <file path=ppt/slideLayouts/slideLayout1.xml><?xml version="1.0" encoding="utf-8"?>
 <p:sldLayout xmlns:a="http://schemas.openxmlformats.org/drawingml/2006/main" xmlns:r="http://schemas.openxmlformats.org/officeDocument/2006/relationships" xmlns:p="http://schemas.openxmlformats.org/presentationml/2006/main" type="title" preserve="1">
   <p:cSld name="Title Slide">
@@ -1336,7 +1239,7 @@
           <a:p>
             <a:fld id="{F1A94D68-23BD-48D2-BC5F-602C755F07C6}" type="datetimeFigureOut">
               <a:rPr lang="en-US" smtClean="0"/>
-              <a:t>1/8/2024</a:t>
+              <a:t>1/11/2024</a:t>
             </a:fld>
             <a:endParaRPr lang="en-US"/>
           </a:p>
@@ -1534,7 +1437,7 @@
           <a:p>
             <a:fld id="{F1A94D68-23BD-48D2-BC5F-602C755F07C6}" type="datetimeFigureOut">
               <a:rPr lang="en-US" smtClean="0"/>
-              <a:t>1/8/2024</a:t>
+              <a:t>1/11/2024</a:t>
             </a:fld>
             <a:endParaRPr lang="en-US"/>
           </a:p>
@@ -1742,7 +1645,7 @@
           <a:p>
             <a:fld id="{F1A94D68-23BD-48D2-BC5F-602C755F07C6}" type="datetimeFigureOut">
               <a:rPr lang="en-US" smtClean="0"/>
-              <a:t>1/8/2024</a:t>
+              <a:t>1/11/2024</a:t>
             </a:fld>
             <a:endParaRPr lang="en-US"/>
           </a:p>
@@ -1940,7 +1843,7 @@
           <a:p>
             <a:fld id="{F1A94D68-23BD-48D2-BC5F-602C755F07C6}" type="datetimeFigureOut">
               <a:rPr lang="en-US" smtClean="0"/>
-              <a:t>1/8/2024</a:t>
+              <a:t>1/11/2024</a:t>
             </a:fld>
             <a:endParaRPr lang="en-US"/>
           </a:p>
@@ -2215,7 +2118,7 @@
           <a:p>
             <a:fld id="{F1A94D68-23BD-48D2-BC5F-602C755F07C6}" type="datetimeFigureOut">
               <a:rPr lang="en-US" smtClean="0"/>
-              <a:t>1/8/2024</a:t>
+              <a:t>1/11/2024</a:t>
             </a:fld>
             <a:endParaRPr lang="en-US"/>
           </a:p>
@@ -2480,7 +2383,7 @@
           <a:p>
             <a:fld id="{F1A94D68-23BD-48D2-BC5F-602C755F07C6}" type="datetimeFigureOut">
               <a:rPr lang="en-US" smtClean="0"/>
-              <a:t>1/8/2024</a:t>
+              <a:t>1/11/2024</a:t>
             </a:fld>
             <a:endParaRPr lang="en-US"/>
           </a:p>
@@ -2892,7 +2795,7 @@
           <a:p>
             <a:fld id="{F1A94D68-23BD-48D2-BC5F-602C755F07C6}" type="datetimeFigureOut">
               <a:rPr lang="en-US" smtClean="0"/>
-              <a:t>1/8/2024</a:t>
+              <a:t>1/11/2024</a:t>
             </a:fld>
             <a:endParaRPr lang="en-US"/>
           </a:p>
@@ -3033,7 +2936,7 @@
           <a:p>
             <a:fld id="{F1A94D68-23BD-48D2-BC5F-602C755F07C6}" type="datetimeFigureOut">
               <a:rPr lang="en-US" smtClean="0"/>
-              <a:t>1/8/2024</a:t>
+              <a:t>1/11/2024</a:t>
             </a:fld>
             <a:endParaRPr lang="en-US"/>
           </a:p>
@@ -3146,7 +3049,7 @@
           <a:p>
             <a:fld id="{F1A94D68-23BD-48D2-BC5F-602C755F07C6}" type="datetimeFigureOut">
               <a:rPr lang="en-US" smtClean="0"/>
-              <a:t>1/8/2024</a:t>
+              <a:t>1/11/2024</a:t>
             </a:fld>
             <a:endParaRPr lang="en-US"/>
           </a:p>
@@ -3457,7 +3360,7 @@
           <a:p>
             <a:fld id="{F1A94D68-23BD-48D2-BC5F-602C755F07C6}" type="datetimeFigureOut">
               <a:rPr lang="en-US" smtClean="0"/>
-              <a:t>1/8/2024</a:t>
+              <a:t>1/11/2024</a:t>
             </a:fld>
             <a:endParaRPr lang="en-US"/>
           </a:p>
@@ -3745,7 +3648,7 @@
           <a:p>
             <a:fld id="{F1A94D68-23BD-48D2-BC5F-602C755F07C6}" type="datetimeFigureOut">
               <a:rPr lang="en-US" smtClean="0"/>
-              <a:t>1/8/2024</a:t>
+              <a:t>1/11/2024</a:t>
             </a:fld>
             <a:endParaRPr lang="en-US"/>
           </a:p>
@@ -3986,7 +3889,7 @@
           <a:p>
             <a:fld id="{F1A94D68-23BD-48D2-BC5F-602C755F07C6}" type="datetimeFigureOut">
               <a:rPr lang="en-US" smtClean="0"/>
-              <a:t>1/8/2024</a:t>
+              <a:t>1/11/2024</a:t>
             </a:fld>
             <a:endParaRPr lang="en-US"/>
           </a:p>
@@ -4426,7 +4329,7 @@
           <a:p>
             <a:r>
               <a:rPr lang="en-US" dirty="0"/>
-              <a:t>205 Oct 7, Class 8</a:t>
+              <a:t>205 Jan 19, Class 8</a:t>
             </a:r>
           </a:p>
         </p:txBody>
@@ -4520,1075 +4423,6 @@
           <p:cNvPr id="2" name="Title 1">
             <a:extLst>
               <a:ext uri="{FF2B5EF4-FFF2-40B4-BE49-F238E27FC236}">
-                <a16:creationId xmlns:a16="http://schemas.microsoft.com/office/drawing/2014/main" id="{FCE6D42D-38D8-C73C-07FA-197E2E57DE67}"/>
-              </a:ext>
-            </a:extLst>
-          </p:cNvPr>
-          <p:cNvSpPr>
-            <a:spLocks noGrp="1"/>
-          </p:cNvSpPr>
-          <p:nvPr>
-            <p:ph type="title"/>
-          </p:nvPr>
-        </p:nvSpPr>
-        <p:spPr/>
-        <p:txBody>
-          <a:bodyPr/>
-          <a:lstStyle/>
-          <a:p>
-            <a:endParaRPr lang="en-US"/>
-          </a:p>
-        </p:txBody>
-      </p:sp>
-      <p:sp>
-        <p:nvSpPr>
-          <p:cNvPr id="3" name="Content Placeholder 2">
-            <a:extLst>
-              <a:ext uri="{FF2B5EF4-FFF2-40B4-BE49-F238E27FC236}">
-                <a16:creationId xmlns:a16="http://schemas.microsoft.com/office/drawing/2014/main" id="{039CAC86-4860-11C7-6F44-BE49EB150B78}"/>
-              </a:ext>
-            </a:extLst>
-          </p:cNvPr>
-          <p:cNvSpPr>
-            <a:spLocks noGrp="1"/>
-          </p:cNvSpPr>
-          <p:nvPr>
-            <p:ph idx="1"/>
-          </p:nvPr>
-        </p:nvSpPr>
-        <p:spPr/>
-        <p:txBody>
-          <a:bodyPr/>
-          <a:lstStyle/>
-          <a:p>
-            <a:r>
-              <a:rPr lang="en-US" dirty="0"/>
-              <a:t>G&amp;W should </a:t>
-            </a:r>
-            <a:r>
-              <a:rPr lang="en-US"/>
-              <a:t>be class 9</a:t>
-            </a:r>
-          </a:p>
-        </p:txBody>
-      </p:sp>
-    </p:spTree>
-    <p:extLst>
-      <p:ext uri="{BB962C8B-B14F-4D97-AF65-F5344CB8AC3E}">
-        <p14:creationId xmlns:p14="http://schemas.microsoft.com/office/powerpoint/2010/main" val="3612861621"/>
-      </p:ext>
-    </p:extLst>
-  </p:cSld>
-  <p:clrMapOvr>
-    <a:masterClrMapping/>
-  </p:clrMapOvr>
-</p:sld>
-</file>
-
-<file path=ppt/slides/slide11.xml><?xml version="1.0" encoding="utf-8"?>
-<p:sld xmlns:a="http://schemas.openxmlformats.org/drawingml/2006/main" xmlns:r="http://schemas.openxmlformats.org/officeDocument/2006/relationships" xmlns:p="http://schemas.openxmlformats.org/presentationml/2006/main">
-  <p:cSld>
-    <p:spTree>
-      <p:nvGrpSpPr>
-        <p:cNvPr id="1" name=""/>
-        <p:cNvGrpSpPr/>
-        <p:nvPr/>
-      </p:nvGrpSpPr>
-      <p:grpSpPr>
-        <a:xfrm>
-          <a:off x="0" y="0"/>
-          <a:ext cx="0" cy="0"/>
-          <a:chOff x="0" y="0"/>
-          <a:chExt cx="0" cy="0"/>
-        </a:xfrm>
-      </p:grpSpPr>
-      <p:sp>
-        <p:nvSpPr>
-          <p:cNvPr id="2" name="Title 1">
-            <a:extLst>
-              <a:ext uri="{FF2B5EF4-FFF2-40B4-BE49-F238E27FC236}">
-                <a16:creationId xmlns:a16="http://schemas.microsoft.com/office/drawing/2014/main" id="{A2AE4807-5DB0-4850-86C9-01ED3BE228F5}"/>
-              </a:ext>
-            </a:extLst>
-          </p:cNvPr>
-          <p:cNvSpPr>
-            <a:spLocks noGrp="1"/>
-          </p:cNvSpPr>
-          <p:nvPr>
-            <p:ph type="title"/>
-          </p:nvPr>
-        </p:nvSpPr>
-        <p:spPr/>
-        <p:txBody>
-          <a:bodyPr/>
-          <a:lstStyle/>
-          <a:p>
-            <a:endParaRPr lang="en-US"/>
-          </a:p>
-        </p:txBody>
-      </p:sp>
-      <p:pic>
-        <p:nvPicPr>
-          <p:cNvPr id="5" name="Content Placeholder 4">
-            <a:extLst>
-              <a:ext uri="{FF2B5EF4-FFF2-40B4-BE49-F238E27FC236}">
-                <a16:creationId xmlns:a16="http://schemas.microsoft.com/office/drawing/2014/main" id="{FC72EDAA-BD18-477C-8555-E041126D5068}"/>
-              </a:ext>
-            </a:extLst>
-          </p:cNvPr>
-          <p:cNvPicPr>
-            <a:picLocks noGrp="1" noChangeAspect="1"/>
-          </p:cNvPicPr>
-          <p:nvPr>
-            <p:ph idx="1"/>
-          </p:nvPr>
-        </p:nvPicPr>
-        <p:blipFill>
-          <a:blip r:embed="rId2"/>
-          <a:stretch>
-            <a:fillRect/>
-          </a:stretch>
-        </p:blipFill>
-        <p:spPr>
-          <a:xfrm>
-            <a:off x="1503218" y="365125"/>
-            <a:ext cx="9457706" cy="5657506"/>
-          </a:xfrm>
-        </p:spPr>
-      </p:pic>
-    </p:spTree>
-    <p:extLst>
-      <p:ext uri="{BB962C8B-B14F-4D97-AF65-F5344CB8AC3E}">
-        <p14:creationId xmlns:p14="http://schemas.microsoft.com/office/powerpoint/2010/main" val="628076863"/>
-      </p:ext>
-    </p:extLst>
-  </p:cSld>
-  <p:clrMapOvr>
-    <a:masterClrMapping/>
-  </p:clrMapOvr>
-</p:sld>
-</file>
-
-<file path=ppt/slides/slide12.xml><?xml version="1.0" encoding="utf-8"?>
-<p:sld xmlns:a="http://schemas.openxmlformats.org/drawingml/2006/main" xmlns:r="http://schemas.openxmlformats.org/officeDocument/2006/relationships" xmlns:p="http://schemas.openxmlformats.org/presentationml/2006/main">
-  <p:cSld>
-    <p:spTree>
-      <p:nvGrpSpPr>
-        <p:cNvPr id="1" name=""/>
-        <p:cNvGrpSpPr/>
-        <p:nvPr/>
-      </p:nvGrpSpPr>
-      <p:grpSpPr>
-        <a:xfrm>
-          <a:off x="0" y="0"/>
-          <a:ext cx="0" cy="0"/>
-          <a:chOff x="0" y="0"/>
-          <a:chExt cx="0" cy="0"/>
-        </a:xfrm>
-      </p:grpSpPr>
-      <p:sp>
-        <p:nvSpPr>
-          <p:cNvPr id="2" name="Title 1">
-            <a:extLst>
-              <a:ext uri="{FF2B5EF4-FFF2-40B4-BE49-F238E27FC236}">
-                <a16:creationId xmlns:a16="http://schemas.microsoft.com/office/drawing/2014/main" id="{56B5A7F1-D33C-B4FF-454B-40CABE1DB9F0}"/>
-              </a:ext>
-            </a:extLst>
-          </p:cNvPr>
-          <p:cNvSpPr>
-            <a:spLocks noGrp="1"/>
-          </p:cNvSpPr>
-          <p:nvPr>
-            <p:ph type="title"/>
-          </p:nvPr>
-        </p:nvSpPr>
-        <p:spPr/>
-        <p:txBody>
-          <a:bodyPr/>
-          <a:lstStyle/>
-          <a:p>
-            <a:r>
-              <a:rPr lang="en-US" dirty="0"/>
-              <a:t>Operational definitions</a:t>
-            </a:r>
-          </a:p>
-        </p:txBody>
-      </p:sp>
-      <p:sp>
-        <p:nvSpPr>
-          <p:cNvPr id="3" name="Content Placeholder 2">
-            <a:extLst>
-              <a:ext uri="{FF2B5EF4-FFF2-40B4-BE49-F238E27FC236}">
-                <a16:creationId xmlns:a16="http://schemas.microsoft.com/office/drawing/2014/main" id="{F8DE2A91-4D89-FC19-D00D-88EEF9FCEA8F}"/>
-              </a:ext>
-            </a:extLst>
-          </p:cNvPr>
-          <p:cNvSpPr>
-            <a:spLocks noGrp="1"/>
-          </p:cNvSpPr>
-          <p:nvPr>
-            <p:ph idx="1"/>
-          </p:nvPr>
-        </p:nvSpPr>
-        <p:spPr/>
-        <p:txBody>
-          <a:bodyPr/>
-          <a:lstStyle/>
-          <a:p>
-            <a:r>
-              <a:rPr lang="en-US" dirty="0"/>
-              <a:t>Creativity</a:t>
-            </a:r>
-          </a:p>
-          <a:p>
-            <a:pPr lvl="1"/>
-            <a:r>
-              <a:rPr lang="en-US" dirty="0"/>
-              <a:t>Remote Associates Test (RAT)</a:t>
-            </a:r>
-          </a:p>
-          <a:p>
-            <a:pPr lvl="1"/>
-            <a:r>
-              <a:rPr lang="en-US" dirty="0"/>
-              <a:t>What is the common word that links</a:t>
-            </a:r>
-          </a:p>
-          <a:p>
-            <a:pPr lvl="2"/>
-            <a:r>
-              <a:rPr lang="en-US" dirty="0"/>
-              <a:t>Sore, Shoulder, Sweat</a:t>
-            </a:r>
-          </a:p>
-          <a:p>
-            <a:pPr lvl="2"/>
-            <a:r>
-              <a:rPr lang="en-US" dirty="0"/>
-              <a:t>Opera, Hand, Dish</a:t>
-            </a:r>
-          </a:p>
-          <a:p>
-            <a:pPr lvl="2"/>
-            <a:r>
-              <a:rPr lang="en-US" dirty="0"/>
-              <a:t>Piece, Mind, Dating</a:t>
-            </a:r>
-          </a:p>
-          <a:p>
-            <a:pPr lvl="2"/>
-            <a:endParaRPr lang="en-US" dirty="0"/>
-          </a:p>
-          <a:p>
-            <a:r>
-              <a:rPr lang="en-US" dirty="0"/>
-              <a:t>Dishonesty</a:t>
-            </a:r>
-          </a:p>
-          <a:p>
-            <a:pPr lvl="1"/>
-            <a:r>
-              <a:rPr lang="en-US" dirty="0"/>
-              <a:t>Experimentally controllable (or measurable) cheating or lying</a:t>
-            </a:r>
-          </a:p>
-          <a:p>
-            <a:endParaRPr lang="en-US" dirty="0"/>
-          </a:p>
-        </p:txBody>
-      </p:sp>
-    </p:spTree>
-    <p:extLst>
-      <p:ext uri="{BB962C8B-B14F-4D97-AF65-F5344CB8AC3E}">
-        <p14:creationId xmlns:p14="http://schemas.microsoft.com/office/powerpoint/2010/main" val="348322382"/>
-      </p:ext>
-    </p:extLst>
-  </p:cSld>
-  <p:clrMapOvr>
-    <a:masterClrMapping/>
-  </p:clrMapOvr>
-</p:sld>
-</file>
-
-<file path=ppt/slides/slide13.xml><?xml version="1.0" encoding="utf-8"?>
-<p:sld xmlns:a="http://schemas.openxmlformats.org/drawingml/2006/main" xmlns:r="http://schemas.openxmlformats.org/officeDocument/2006/relationships" xmlns:p="http://schemas.openxmlformats.org/presentationml/2006/main">
-  <p:cSld>
-    <p:spTree>
-      <p:nvGrpSpPr>
-        <p:cNvPr id="1" name=""/>
-        <p:cNvGrpSpPr/>
-        <p:nvPr/>
-      </p:nvGrpSpPr>
-      <p:grpSpPr>
-        <a:xfrm>
-          <a:off x="0" y="0"/>
-          <a:ext cx="0" cy="0"/>
-          <a:chOff x="0" y="0"/>
-          <a:chExt cx="0" cy="0"/>
-        </a:xfrm>
-      </p:grpSpPr>
-      <p:sp>
-        <p:nvSpPr>
-          <p:cNvPr id="2" name="Title 1">
-            <a:extLst>
-              <a:ext uri="{FF2B5EF4-FFF2-40B4-BE49-F238E27FC236}">
-                <a16:creationId xmlns:a16="http://schemas.microsoft.com/office/drawing/2014/main" id="{74861B7D-4B00-29C8-7C04-C52C66680FBF}"/>
-              </a:ext>
-            </a:extLst>
-          </p:cNvPr>
-          <p:cNvSpPr>
-            <a:spLocks noGrp="1"/>
-          </p:cNvSpPr>
-          <p:nvPr>
-            <p:ph type="title"/>
-          </p:nvPr>
-        </p:nvSpPr>
-        <p:spPr/>
-        <p:txBody>
-          <a:bodyPr/>
-          <a:lstStyle/>
-          <a:p>
-            <a:r>
-              <a:rPr lang="en-US" dirty="0"/>
-              <a:t>Experiment 1</a:t>
-            </a:r>
-          </a:p>
-        </p:txBody>
-      </p:sp>
-      <p:sp>
-        <p:nvSpPr>
-          <p:cNvPr id="4" name="Content Placeholder 3">
-            <a:extLst>
-              <a:ext uri="{FF2B5EF4-FFF2-40B4-BE49-F238E27FC236}">
-                <a16:creationId xmlns:a16="http://schemas.microsoft.com/office/drawing/2014/main" id="{4421224F-E152-3602-A847-4E0F8D9802E5}"/>
-              </a:ext>
-            </a:extLst>
-          </p:cNvPr>
-          <p:cNvSpPr>
-            <a:spLocks noGrp="1"/>
-          </p:cNvSpPr>
-          <p:nvPr>
-            <p:ph sz="half" idx="1"/>
-          </p:nvPr>
-        </p:nvSpPr>
-        <p:spPr/>
-        <p:txBody>
-          <a:bodyPr/>
-          <a:lstStyle/>
-          <a:p>
-            <a:r>
-              <a:rPr lang="en-US" dirty="0"/>
-              <a:t>Procedure</a:t>
-            </a:r>
-          </a:p>
-          <a:p>
-            <a:pPr lvl="1"/>
-            <a:r>
-              <a:rPr lang="en-US" dirty="0"/>
-              <a:t>Dunker candle problem</a:t>
-            </a:r>
-          </a:p>
-          <a:p>
-            <a:pPr lvl="1"/>
-            <a:r>
-              <a:rPr lang="en-US" dirty="0"/>
-              <a:t>Filler/cheatable task</a:t>
-            </a:r>
-          </a:p>
-          <a:p>
-            <a:pPr lvl="2"/>
-            <a:r>
-              <a:rPr lang="en-US" dirty="0"/>
-              <a:t>10 matrices</a:t>
-            </a:r>
-          </a:p>
-          <a:p>
-            <a:pPr lvl="2"/>
-            <a:r>
-              <a:rPr lang="en-US" dirty="0"/>
-              <a:t>Self-reported performance, paid</a:t>
-            </a:r>
-          </a:p>
-          <a:p>
-            <a:pPr lvl="1"/>
-            <a:r>
-              <a:rPr lang="en-US" dirty="0"/>
-              <a:t>RAT performance</a:t>
-            </a:r>
-          </a:p>
-          <a:p>
-            <a:r>
-              <a:rPr lang="en-US" dirty="0"/>
-              <a:t>Results</a:t>
-            </a:r>
-          </a:p>
-          <a:p>
-            <a:pPr lvl="1"/>
-            <a:r>
-              <a:rPr lang="en-US" dirty="0"/>
-              <a:t>Cheaters performed better on the RAT test</a:t>
-            </a:r>
-          </a:p>
-        </p:txBody>
-      </p:sp>
-      <p:pic>
-        <p:nvPicPr>
-          <p:cNvPr id="7" name="Content Placeholder 6">
-            <a:extLst>
-              <a:ext uri="{FF2B5EF4-FFF2-40B4-BE49-F238E27FC236}">
-                <a16:creationId xmlns:a16="http://schemas.microsoft.com/office/drawing/2014/main" id="{C1761D21-8644-36C2-8A67-39AEB691D12B}"/>
-              </a:ext>
-            </a:extLst>
-          </p:cNvPr>
-          <p:cNvPicPr>
-            <a:picLocks noGrp="1" noChangeAspect="1"/>
-          </p:cNvPicPr>
-          <p:nvPr>
-            <p:ph sz="half" idx="2"/>
-          </p:nvPr>
-        </p:nvPicPr>
-        <p:blipFill>
-          <a:blip r:embed="rId2"/>
-          <a:stretch>
-            <a:fillRect/>
-          </a:stretch>
-        </p:blipFill>
-        <p:spPr>
-          <a:xfrm>
-            <a:off x="6601574" y="1825625"/>
-            <a:ext cx="4322851" cy="4351338"/>
-          </a:xfrm>
-        </p:spPr>
-      </p:pic>
-    </p:spTree>
-    <p:extLst>
-      <p:ext uri="{BB962C8B-B14F-4D97-AF65-F5344CB8AC3E}">
-        <p14:creationId xmlns:p14="http://schemas.microsoft.com/office/powerpoint/2010/main" val="4139939674"/>
-      </p:ext>
-    </p:extLst>
-  </p:cSld>
-  <p:clrMapOvr>
-    <a:masterClrMapping/>
-  </p:clrMapOvr>
-</p:sld>
-</file>
-
-<file path=ppt/slides/slide14.xml><?xml version="1.0" encoding="utf-8"?>
-<p:sld xmlns:a="http://schemas.openxmlformats.org/drawingml/2006/main" xmlns:r="http://schemas.openxmlformats.org/officeDocument/2006/relationships" xmlns:p="http://schemas.openxmlformats.org/presentationml/2006/main">
-  <p:cSld>
-    <p:spTree>
-      <p:nvGrpSpPr>
-        <p:cNvPr id="1" name=""/>
-        <p:cNvGrpSpPr/>
-        <p:nvPr/>
-      </p:nvGrpSpPr>
-      <p:grpSpPr>
-        <a:xfrm>
-          <a:off x="0" y="0"/>
-          <a:ext cx="0" cy="0"/>
-          <a:chOff x="0" y="0"/>
-          <a:chExt cx="0" cy="0"/>
-        </a:xfrm>
-      </p:grpSpPr>
-      <p:sp>
-        <p:nvSpPr>
-          <p:cNvPr id="2" name="Title 1">
-            <a:extLst>
-              <a:ext uri="{FF2B5EF4-FFF2-40B4-BE49-F238E27FC236}">
-                <a16:creationId xmlns:a16="http://schemas.microsoft.com/office/drawing/2014/main" id="{D911C49F-BE14-B8B2-F6EC-D26934A738F4}"/>
-              </a:ext>
-            </a:extLst>
-          </p:cNvPr>
-          <p:cNvSpPr>
-            <a:spLocks noGrp="1"/>
-          </p:cNvSpPr>
-          <p:nvPr>
-            <p:ph type="title"/>
-          </p:nvPr>
-        </p:nvSpPr>
-        <p:spPr/>
-        <p:txBody>
-          <a:bodyPr/>
-          <a:lstStyle/>
-          <a:p>
-            <a:r>
-              <a:rPr lang="en-US" dirty="0"/>
-              <a:t>Experiment 2</a:t>
-            </a:r>
-          </a:p>
-        </p:txBody>
-      </p:sp>
-      <p:pic>
-        <p:nvPicPr>
-          <p:cNvPr id="6" name="Content Placeholder 5">
-            <a:extLst>
-              <a:ext uri="{FF2B5EF4-FFF2-40B4-BE49-F238E27FC236}">
-                <a16:creationId xmlns:a16="http://schemas.microsoft.com/office/drawing/2014/main" id="{B0E94F48-F6C2-113E-1FE9-7CFBEAEFCF7D}"/>
-              </a:ext>
-            </a:extLst>
-          </p:cNvPr>
-          <p:cNvPicPr>
-            <a:picLocks noGrp="1" noChangeAspect="1"/>
-          </p:cNvPicPr>
-          <p:nvPr>
-            <p:ph sz="half" idx="1"/>
-          </p:nvPr>
-        </p:nvPicPr>
-        <p:blipFill>
-          <a:blip r:embed="rId2"/>
-          <a:stretch>
-            <a:fillRect/>
-          </a:stretch>
-        </p:blipFill>
-        <p:spPr>
-          <a:xfrm>
-            <a:off x="838200" y="1825625"/>
-            <a:ext cx="5181600" cy="2314832"/>
-          </a:xfrm>
-        </p:spPr>
-      </p:pic>
-      <p:sp>
-        <p:nvSpPr>
-          <p:cNvPr id="4" name="Content Placeholder 3">
-            <a:extLst>
-              <a:ext uri="{FF2B5EF4-FFF2-40B4-BE49-F238E27FC236}">
-                <a16:creationId xmlns:a16="http://schemas.microsoft.com/office/drawing/2014/main" id="{DD7F9912-7A00-D0F9-0758-E904418754A6}"/>
-              </a:ext>
-            </a:extLst>
-          </p:cNvPr>
-          <p:cNvSpPr>
-            <a:spLocks noGrp="1"/>
-          </p:cNvSpPr>
-          <p:nvPr>
-            <p:ph sz="half" idx="2"/>
-          </p:nvPr>
-        </p:nvSpPr>
-        <p:spPr>
-          <a:xfrm>
-            <a:off x="6172200" y="1825625"/>
-            <a:ext cx="5181600" cy="4351338"/>
-          </a:xfrm>
-        </p:spPr>
-        <p:txBody>
-          <a:bodyPr/>
-          <a:lstStyle/>
-          <a:p>
-            <a:r>
-              <a:rPr lang="en-US" dirty="0"/>
-              <a:t>How do you experimentally control cheating to be able to randomly assign participants to the “cheating” and control conditions?</a:t>
-            </a:r>
-          </a:p>
-          <a:p>
-            <a:pPr lvl="1"/>
-            <a:r>
-              <a:rPr lang="en-US" dirty="0"/>
-              <a:t>Operational definition of this IV</a:t>
-            </a:r>
-          </a:p>
-        </p:txBody>
-      </p:sp>
-    </p:spTree>
-    <p:extLst>
-      <p:ext uri="{BB962C8B-B14F-4D97-AF65-F5344CB8AC3E}">
-        <p14:creationId xmlns:p14="http://schemas.microsoft.com/office/powerpoint/2010/main" val="3925862589"/>
-      </p:ext>
-    </p:extLst>
-  </p:cSld>
-  <p:clrMapOvr>
-    <a:masterClrMapping/>
-  </p:clrMapOvr>
-</p:sld>
-</file>
-
-<file path=ppt/slides/slide15.xml><?xml version="1.0" encoding="utf-8"?>
-<p:sld xmlns:a="http://schemas.openxmlformats.org/drawingml/2006/main" xmlns:r="http://schemas.openxmlformats.org/officeDocument/2006/relationships" xmlns:p="http://schemas.openxmlformats.org/presentationml/2006/main">
-  <p:cSld>
-    <p:spTree>
-      <p:nvGrpSpPr>
-        <p:cNvPr id="1" name=""/>
-        <p:cNvGrpSpPr/>
-        <p:nvPr/>
-      </p:nvGrpSpPr>
-      <p:grpSpPr>
-        <a:xfrm>
-          <a:off x="0" y="0"/>
-          <a:ext cx="0" cy="0"/>
-          <a:chOff x="0" y="0"/>
-          <a:chExt cx="0" cy="0"/>
-        </a:xfrm>
-      </p:grpSpPr>
-      <p:sp>
-        <p:nvSpPr>
-          <p:cNvPr id="2" name="Title 1">
-            <a:extLst>
-              <a:ext uri="{FF2B5EF4-FFF2-40B4-BE49-F238E27FC236}">
-                <a16:creationId xmlns:a16="http://schemas.microsoft.com/office/drawing/2014/main" id="{5D60529F-1CDC-46FE-9D99-90BDB442FE3C}"/>
-              </a:ext>
-            </a:extLst>
-          </p:cNvPr>
-          <p:cNvSpPr>
-            <a:spLocks noGrp="1"/>
-          </p:cNvSpPr>
-          <p:nvPr>
-            <p:ph type="title"/>
-          </p:nvPr>
-        </p:nvSpPr>
-        <p:spPr/>
-        <p:txBody>
-          <a:bodyPr/>
-          <a:lstStyle/>
-          <a:p>
-            <a:endParaRPr lang="en-US"/>
-          </a:p>
-        </p:txBody>
-      </p:sp>
-      <p:pic>
-        <p:nvPicPr>
-          <p:cNvPr id="4" name="Content Placeholder 3">
-            <a:extLst>
-              <a:ext uri="{FF2B5EF4-FFF2-40B4-BE49-F238E27FC236}">
-                <a16:creationId xmlns:a16="http://schemas.microsoft.com/office/drawing/2014/main" id="{F16602EC-731D-4668-B615-218C30D63CA2}"/>
-              </a:ext>
-            </a:extLst>
-          </p:cNvPr>
-          <p:cNvPicPr>
-            <a:picLocks noGrp="1" noChangeAspect="1"/>
-          </p:cNvPicPr>
-          <p:nvPr>
-            <p:ph idx="1"/>
-          </p:nvPr>
-        </p:nvPicPr>
-        <p:blipFill>
-          <a:blip r:embed="rId2"/>
-          <a:stretch>
-            <a:fillRect/>
-          </a:stretch>
-        </p:blipFill>
-        <p:spPr>
-          <a:xfrm>
-            <a:off x="3821108" y="442120"/>
-            <a:ext cx="4549784" cy="5973763"/>
-          </a:xfrm>
-          <a:prstGeom prst="rect">
-            <a:avLst/>
-          </a:prstGeom>
-        </p:spPr>
-      </p:pic>
-      <p:cxnSp>
-        <p:nvCxnSpPr>
-          <p:cNvPr id="6" name="Straight Arrow Connector 5">
-            <a:extLst>
-              <a:ext uri="{FF2B5EF4-FFF2-40B4-BE49-F238E27FC236}">
-                <a16:creationId xmlns:a16="http://schemas.microsoft.com/office/drawing/2014/main" id="{4763B7A4-D46F-450F-AD96-AEEA02CA8FE4}"/>
-              </a:ext>
-            </a:extLst>
-          </p:cNvPr>
-          <p:cNvCxnSpPr/>
-          <p:nvPr/>
-        </p:nvCxnSpPr>
-        <p:spPr>
-          <a:xfrm flipH="1">
-            <a:off x="8370892" y="3230960"/>
-            <a:ext cx="1676400" cy="685800"/>
-          </a:xfrm>
-          <a:prstGeom prst="straightConnector1">
-            <a:avLst/>
-          </a:prstGeom>
-          <a:ln w="76200">
-            <a:tailEnd type="triangle"/>
-          </a:ln>
-        </p:spPr>
-        <p:style>
-          <a:lnRef idx="1">
-            <a:schemeClr val="accent1"/>
-          </a:lnRef>
-          <a:fillRef idx="0">
-            <a:schemeClr val="accent1"/>
-          </a:fillRef>
-          <a:effectRef idx="0">
-            <a:schemeClr val="accent1"/>
-          </a:effectRef>
-          <a:fontRef idx="minor">
-            <a:schemeClr val="tx1"/>
-          </a:fontRef>
-        </p:style>
-      </p:cxnSp>
-      <p:cxnSp>
-        <p:nvCxnSpPr>
-          <p:cNvPr id="7" name="Straight Arrow Connector 6">
-            <a:extLst>
-              <a:ext uri="{FF2B5EF4-FFF2-40B4-BE49-F238E27FC236}">
-                <a16:creationId xmlns:a16="http://schemas.microsoft.com/office/drawing/2014/main" id="{381D0917-F725-40D6-A7CA-5363AF959010}"/>
-              </a:ext>
-            </a:extLst>
-          </p:cNvPr>
-          <p:cNvCxnSpPr>
-            <a:cxnSpLocks/>
-          </p:cNvCxnSpPr>
-          <p:nvPr/>
-        </p:nvCxnSpPr>
-        <p:spPr>
-          <a:xfrm>
-            <a:off x="2144708" y="5638800"/>
-            <a:ext cx="1600200" cy="381000"/>
-          </a:xfrm>
-          <a:prstGeom prst="straightConnector1">
-            <a:avLst/>
-          </a:prstGeom>
-          <a:ln w="76200">
-            <a:tailEnd type="triangle"/>
-          </a:ln>
-        </p:spPr>
-        <p:style>
-          <a:lnRef idx="1">
-            <a:schemeClr val="accent1"/>
-          </a:lnRef>
-          <a:fillRef idx="0">
-            <a:schemeClr val="accent1"/>
-          </a:fillRef>
-          <a:effectRef idx="0">
-            <a:schemeClr val="accent1"/>
-          </a:effectRef>
-          <a:fontRef idx="minor">
-            <a:schemeClr val="tx1"/>
-          </a:fontRef>
-        </p:style>
-      </p:cxnSp>
-      <p:sp>
-        <p:nvSpPr>
-          <p:cNvPr id="9" name="TextBox 8">
-            <a:extLst>
-              <a:ext uri="{FF2B5EF4-FFF2-40B4-BE49-F238E27FC236}">
-                <a16:creationId xmlns:a16="http://schemas.microsoft.com/office/drawing/2014/main" id="{F6B7335F-2AFD-4DE2-8356-DDF14B5E2F6C}"/>
-              </a:ext>
-            </a:extLst>
-          </p:cNvPr>
-          <p:cNvSpPr txBox="1"/>
-          <p:nvPr/>
-        </p:nvSpPr>
-        <p:spPr>
-          <a:xfrm>
-            <a:off x="9753600" y="2895600"/>
-            <a:ext cx="373820" cy="369332"/>
-          </a:xfrm>
-          <a:prstGeom prst="rect">
-            <a:avLst/>
-          </a:prstGeom>
-          <a:noFill/>
-        </p:spPr>
-        <p:txBody>
-          <a:bodyPr wrap="none" rtlCol="0">
-            <a:spAutoFit/>
-          </a:bodyPr>
-          <a:lstStyle/>
-          <a:p>
-            <a:r>
-              <a:rPr lang="en-US" dirty="0"/>
-              <a:t>IV</a:t>
-            </a:r>
-          </a:p>
-        </p:txBody>
-      </p:sp>
-      <p:sp>
-        <p:nvSpPr>
-          <p:cNvPr id="11" name="TextBox 10">
-            <a:extLst>
-              <a:ext uri="{FF2B5EF4-FFF2-40B4-BE49-F238E27FC236}">
-                <a16:creationId xmlns:a16="http://schemas.microsoft.com/office/drawing/2014/main" id="{1965172A-94EE-4EB6-BAF8-B313E85EF552}"/>
-              </a:ext>
-            </a:extLst>
-          </p:cNvPr>
-          <p:cNvSpPr txBox="1"/>
-          <p:nvPr/>
-        </p:nvSpPr>
-        <p:spPr>
-          <a:xfrm>
-            <a:off x="1943372" y="5251075"/>
-            <a:ext cx="456087" cy="369332"/>
-          </a:xfrm>
-          <a:prstGeom prst="rect">
-            <a:avLst/>
-          </a:prstGeom>
-          <a:noFill/>
-        </p:spPr>
-        <p:txBody>
-          <a:bodyPr wrap="none" rtlCol="0">
-            <a:spAutoFit/>
-          </a:bodyPr>
-          <a:lstStyle/>
-          <a:p>
-            <a:r>
-              <a:rPr lang="en-US" dirty="0"/>
-              <a:t>DV</a:t>
-            </a:r>
-          </a:p>
-        </p:txBody>
-      </p:sp>
-    </p:spTree>
-    <p:extLst>
-      <p:ext uri="{BB962C8B-B14F-4D97-AF65-F5344CB8AC3E}">
-        <p14:creationId xmlns:p14="http://schemas.microsoft.com/office/powerpoint/2010/main" val="1480564895"/>
-      </p:ext>
-    </p:extLst>
-  </p:cSld>
-  <p:clrMapOvr>
-    <a:masterClrMapping/>
-  </p:clrMapOvr>
-</p:sld>
-</file>
-
-<file path=ppt/slides/slide16.xml><?xml version="1.0" encoding="utf-8"?>
-<p:sld xmlns:a="http://schemas.openxmlformats.org/drawingml/2006/main" xmlns:r="http://schemas.openxmlformats.org/officeDocument/2006/relationships" xmlns:p="http://schemas.openxmlformats.org/presentationml/2006/main">
-  <p:cSld>
-    <p:spTree>
-      <p:nvGrpSpPr>
-        <p:cNvPr id="1" name=""/>
-        <p:cNvGrpSpPr/>
-        <p:nvPr/>
-      </p:nvGrpSpPr>
-      <p:grpSpPr>
-        <a:xfrm>
-          <a:off x="0" y="0"/>
-          <a:ext cx="0" cy="0"/>
-          <a:chOff x="0" y="0"/>
-          <a:chExt cx="0" cy="0"/>
-        </a:xfrm>
-      </p:grpSpPr>
-      <p:pic>
-        <p:nvPicPr>
-          <p:cNvPr id="4" name="Picture 3">
-            <a:extLst>
-              <a:ext uri="{FF2B5EF4-FFF2-40B4-BE49-F238E27FC236}">
-                <a16:creationId xmlns:a16="http://schemas.microsoft.com/office/drawing/2014/main" id="{2C382589-DF89-4F7A-B70A-36FE5FE7BD50}"/>
-              </a:ext>
-            </a:extLst>
-          </p:cNvPr>
-          <p:cNvPicPr>
-            <a:picLocks noChangeAspect="1"/>
-          </p:cNvPicPr>
-          <p:nvPr/>
-        </p:nvPicPr>
-        <p:blipFill>
-          <a:blip r:embed="rId3"/>
-          <a:stretch>
-            <a:fillRect/>
-          </a:stretch>
-        </p:blipFill>
-        <p:spPr>
-          <a:xfrm>
-            <a:off x="2819401" y="1214890"/>
-            <a:ext cx="5407809" cy="4164013"/>
-          </a:xfrm>
-          <a:prstGeom prst="rect">
-            <a:avLst/>
-          </a:prstGeom>
-        </p:spPr>
-      </p:pic>
-      <p:sp>
-        <p:nvSpPr>
-          <p:cNvPr id="5" name="TextBox 4">
-            <a:extLst>
-              <a:ext uri="{FF2B5EF4-FFF2-40B4-BE49-F238E27FC236}">
-                <a16:creationId xmlns:a16="http://schemas.microsoft.com/office/drawing/2014/main" id="{D30EE7D4-2C64-4856-BD01-B70BCB2B6F68}"/>
-              </a:ext>
-            </a:extLst>
-          </p:cNvPr>
-          <p:cNvSpPr txBox="1"/>
-          <p:nvPr/>
-        </p:nvSpPr>
-        <p:spPr>
-          <a:xfrm>
-            <a:off x="8534400" y="3136079"/>
-            <a:ext cx="2133600" cy="1754326"/>
-          </a:xfrm>
-          <a:prstGeom prst="rect">
-            <a:avLst/>
-          </a:prstGeom>
-          <a:noFill/>
-        </p:spPr>
-        <p:txBody>
-          <a:bodyPr wrap="square" rtlCol="0">
-            <a:spAutoFit/>
-          </a:bodyPr>
-          <a:lstStyle/>
-          <a:p>
-            <a:r>
-              <a:rPr lang="en-US" dirty="0"/>
-              <a:t>Effect size:</a:t>
-            </a:r>
-          </a:p>
-          <a:p>
-            <a:pPr lvl="1"/>
-            <a:r>
-              <a:rPr lang="en-US" dirty="0"/>
-              <a:t>6.20 vs 4.65 problems solved</a:t>
-            </a:r>
-          </a:p>
-          <a:p>
-            <a:pPr lvl="1"/>
-            <a:endParaRPr lang="en-US" dirty="0"/>
-          </a:p>
-          <a:p>
-            <a:pPr lvl="1"/>
-            <a:r>
-              <a:rPr lang="en-US" dirty="0"/>
-              <a:t>= 1.55 more</a:t>
-            </a:r>
-          </a:p>
-        </p:txBody>
-      </p:sp>
-      <p:cxnSp>
-        <p:nvCxnSpPr>
-          <p:cNvPr id="6" name="Straight Arrow Connector 5">
-            <a:extLst>
-              <a:ext uri="{FF2B5EF4-FFF2-40B4-BE49-F238E27FC236}">
-                <a16:creationId xmlns:a16="http://schemas.microsoft.com/office/drawing/2014/main" id="{51E4D346-7A24-4997-A3DF-360C389130C5}"/>
-              </a:ext>
-            </a:extLst>
-          </p:cNvPr>
-          <p:cNvCxnSpPr>
-            <a:cxnSpLocks/>
-          </p:cNvCxnSpPr>
-          <p:nvPr/>
-        </p:nvCxnSpPr>
-        <p:spPr>
-          <a:xfrm flipV="1">
-            <a:off x="2819400" y="3447395"/>
-            <a:ext cx="1280488" cy="2011051"/>
-          </a:xfrm>
-          <a:prstGeom prst="straightConnector1">
-            <a:avLst/>
-          </a:prstGeom>
-          <a:ln w="76200">
-            <a:tailEnd type="triangle"/>
-          </a:ln>
-        </p:spPr>
-        <p:style>
-          <a:lnRef idx="1">
-            <a:schemeClr val="accent1"/>
-          </a:lnRef>
-          <a:fillRef idx="0">
-            <a:schemeClr val="accent1"/>
-          </a:fillRef>
-          <a:effectRef idx="0">
-            <a:schemeClr val="accent1"/>
-          </a:effectRef>
-          <a:fontRef idx="minor">
-            <a:schemeClr val="tx1"/>
-          </a:fontRef>
-        </p:style>
-      </p:cxnSp>
-      <p:cxnSp>
-        <p:nvCxnSpPr>
-          <p:cNvPr id="8" name="Straight Arrow Connector 7">
-            <a:extLst>
-              <a:ext uri="{FF2B5EF4-FFF2-40B4-BE49-F238E27FC236}">
-                <a16:creationId xmlns:a16="http://schemas.microsoft.com/office/drawing/2014/main" id="{7DDBF528-7FFA-4C75-B305-2CE01A708A3E}"/>
-              </a:ext>
-            </a:extLst>
-          </p:cNvPr>
-          <p:cNvCxnSpPr>
-            <a:cxnSpLocks/>
-          </p:cNvCxnSpPr>
-          <p:nvPr/>
-        </p:nvCxnSpPr>
-        <p:spPr>
-          <a:xfrm flipH="1">
-            <a:off x="8092114" y="2618679"/>
-            <a:ext cx="1844329" cy="238481"/>
-          </a:xfrm>
-          <a:prstGeom prst="straightConnector1">
-            <a:avLst/>
-          </a:prstGeom>
-          <a:ln w="76200">
-            <a:tailEnd type="triangle"/>
-          </a:ln>
-        </p:spPr>
-        <p:style>
-          <a:lnRef idx="1">
-            <a:schemeClr val="accent1"/>
-          </a:lnRef>
-          <a:fillRef idx="0">
-            <a:schemeClr val="accent1"/>
-          </a:fillRef>
-          <a:effectRef idx="0">
-            <a:schemeClr val="accent1"/>
-          </a:effectRef>
-          <a:fontRef idx="minor">
-            <a:schemeClr val="tx1"/>
-          </a:fontRef>
-        </p:style>
-      </p:cxnSp>
-      <p:sp>
-        <p:nvSpPr>
-          <p:cNvPr id="11" name="TextBox 10">
-            <a:extLst>
-              <a:ext uri="{FF2B5EF4-FFF2-40B4-BE49-F238E27FC236}">
-                <a16:creationId xmlns:a16="http://schemas.microsoft.com/office/drawing/2014/main" id="{C911C3B9-A38C-4346-80C6-0BBB354FB62E}"/>
-              </a:ext>
-            </a:extLst>
-          </p:cNvPr>
-          <p:cNvSpPr txBox="1"/>
-          <p:nvPr/>
-        </p:nvSpPr>
-        <p:spPr>
-          <a:xfrm>
-            <a:off x="1905000" y="5458445"/>
-            <a:ext cx="2931444" cy="369332"/>
-          </a:xfrm>
-          <a:prstGeom prst="rect">
-            <a:avLst/>
-          </a:prstGeom>
-          <a:noFill/>
-        </p:spPr>
-        <p:txBody>
-          <a:bodyPr wrap="none" rtlCol="0">
-            <a:spAutoFit/>
-          </a:bodyPr>
-          <a:lstStyle/>
-          <a:p>
-            <a:r>
-              <a:rPr lang="en-US" dirty="0"/>
-              <a:t>2 independent samples t-test</a:t>
-            </a:r>
-          </a:p>
-        </p:txBody>
-      </p:sp>
-    </p:spTree>
-    <p:extLst>
-      <p:ext uri="{BB962C8B-B14F-4D97-AF65-F5344CB8AC3E}">
-        <p14:creationId xmlns:p14="http://schemas.microsoft.com/office/powerpoint/2010/main" val="4198122806"/>
-      </p:ext>
-    </p:extLst>
-  </p:cSld>
-  <p:clrMapOvr>
-    <a:masterClrMapping/>
-  </p:clrMapOvr>
-</p:sld>
-</file>
-
-<file path=ppt/slides/slide17.xml><?xml version="1.0" encoding="utf-8"?>
-<p:sld xmlns:a="http://schemas.openxmlformats.org/drawingml/2006/main" xmlns:r="http://schemas.openxmlformats.org/officeDocument/2006/relationships" xmlns:p="http://schemas.openxmlformats.org/presentationml/2006/main">
-  <p:cSld>
-    <p:spTree>
-      <p:nvGrpSpPr>
-        <p:cNvPr id="1" name=""/>
-        <p:cNvGrpSpPr/>
-        <p:nvPr/>
-      </p:nvGrpSpPr>
-      <p:grpSpPr>
-        <a:xfrm>
-          <a:off x="0" y="0"/>
-          <a:ext cx="0" cy="0"/>
-          <a:chOff x="0" y="0"/>
-          <a:chExt cx="0" cy="0"/>
-        </a:xfrm>
-      </p:grpSpPr>
-      <p:sp>
-        <p:nvSpPr>
-          <p:cNvPr id="2" name="Title 1">
-            <a:extLst>
-              <a:ext uri="{FF2B5EF4-FFF2-40B4-BE49-F238E27FC236}">
                 <a16:creationId xmlns:a16="http://schemas.microsoft.com/office/drawing/2014/main" id="{D021F2A8-CD81-5D9C-EF86-23CF0B9998A4}"/>
               </a:ext>
             </a:extLst>
@@ -5677,14 +4511,14 @@
           <a:p>
             <a:r>
               <a:rPr lang="en-US" dirty="0"/>
-              <a:t>Wednesday 10/12: Exam 1</a:t>
+              <a:t>Wednesday Jan 24: Exam 1</a:t>
             </a:r>
           </a:p>
           <a:p>
             <a:pPr lvl="1"/>
             <a:r>
               <a:rPr lang="en-US" dirty="0"/>
-              <a:t>Prior exams posted to Canvas as study aids</a:t>
+              <a:t>Prior exams are posted to Canvas as study aids</a:t>
             </a:r>
           </a:p>
         </p:txBody>

--- a/Class Slides 2024/Class 8.pptx
+++ b/Class Slides 2024/Class 8.pptx
@@ -564,7 +564,7 @@
           <a:p>
             <a:fld id="{FA1B9F50-FE6C-4F6B-8908-CB1C4B189899}" type="datetimeFigureOut">
               <a:rPr lang="en-US" smtClean="0"/>
-              <a:t>1/11/2024</a:t>
+              <a:t>1/18/2024</a:t>
             </a:fld>
             <a:endParaRPr lang="en-US"/>
           </a:p>
@@ -1239,7 +1239,7 @@
           <a:p>
             <a:fld id="{F1A94D68-23BD-48D2-BC5F-602C755F07C6}" type="datetimeFigureOut">
               <a:rPr lang="en-US" smtClean="0"/>
-              <a:t>1/11/2024</a:t>
+              <a:t>1/18/2024</a:t>
             </a:fld>
             <a:endParaRPr lang="en-US"/>
           </a:p>
@@ -1437,7 +1437,7 @@
           <a:p>
             <a:fld id="{F1A94D68-23BD-48D2-BC5F-602C755F07C6}" type="datetimeFigureOut">
               <a:rPr lang="en-US" smtClean="0"/>
-              <a:t>1/11/2024</a:t>
+              <a:t>1/18/2024</a:t>
             </a:fld>
             <a:endParaRPr lang="en-US"/>
           </a:p>
@@ -1645,7 +1645,7 @@
           <a:p>
             <a:fld id="{F1A94D68-23BD-48D2-BC5F-602C755F07C6}" type="datetimeFigureOut">
               <a:rPr lang="en-US" smtClean="0"/>
-              <a:t>1/11/2024</a:t>
+              <a:t>1/18/2024</a:t>
             </a:fld>
             <a:endParaRPr lang="en-US"/>
           </a:p>
@@ -1843,7 +1843,7 @@
           <a:p>
             <a:fld id="{F1A94D68-23BD-48D2-BC5F-602C755F07C6}" type="datetimeFigureOut">
               <a:rPr lang="en-US" smtClean="0"/>
-              <a:t>1/11/2024</a:t>
+              <a:t>1/18/2024</a:t>
             </a:fld>
             <a:endParaRPr lang="en-US"/>
           </a:p>
@@ -2118,7 +2118,7 @@
           <a:p>
             <a:fld id="{F1A94D68-23BD-48D2-BC5F-602C755F07C6}" type="datetimeFigureOut">
               <a:rPr lang="en-US" smtClean="0"/>
-              <a:t>1/11/2024</a:t>
+              <a:t>1/18/2024</a:t>
             </a:fld>
             <a:endParaRPr lang="en-US"/>
           </a:p>
@@ -2383,7 +2383,7 @@
           <a:p>
             <a:fld id="{F1A94D68-23BD-48D2-BC5F-602C755F07C6}" type="datetimeFigureOut">
               <a:rPr lang="en-US" smtClean="0"/>
-              <a:t>1/11/2024</a:t>
+              <a:t>1/18/2024</a:t>
             </a:fld>
             <a:endParaRPr lang="en-US"/>
           </a:p>
@@ -2795,7 +2795,7 @@
           <a:p>
             <a:fld id="{F1A94D68-23BD-48D2-BC5F-602C755F07C6}" type="datetimeFigureOut">
               <a:rPr lang="en-US" smtClean="0"/>
-              <a:t>1/11/2024</a:t>
+              <a:t>1/18/2024</a:t>
             </a:fld>
             <a:endParaRPr lang="en-US"/>
           </a:p>
@@ -2936,7 +2936,7 @@
           <a:p>
             <a:fld id="{F1A94D68-23BD-48D2-BC5F-602C755F07C6}" type="datetimeFigureOut">
               <a:rPr lang="en-US" smtClean="0"/>
-              <a:t>1/11/2024</a:t>
+              <a:t>1/18/2024</a:t>
             </a:fld>
             <a:endParaRPr lang="en-US"/>
           </a:p>
@@ -3049,7 +3049,7 @@
           <a:p>
             <a:fld id="{F1A94D68-23BD-48D2-BC5F-602C755F07C6}" type="datetimeFigureOut">
               <a:rPr lang="en-US" smtClean="0"/>
-              <a:t>1/11/2024</a:t>
+              <a:t>1/18/2024</a:t>
             </a:fld>
             <a:endParaRPr lang="en-US"/>
           </a:p>
@@ -3360,7 +3360,7 @@
           <a:p>
             <a:fld id="{F1A94D68-23BD-48D2-BC5F-602C755F07C6}" type="datetimeFigureOut">
               <a:rPr lang="en-US" smtClean="0"/>
-              <a:t>1/11/2024</a:t>
+              <a:t>1/18/2024</a:t>
             </a:fld>
             <a:endParaRPr lang="en-US"/>
           </a:p>
@@ -3648,7 +3648,7 @@
           <a:p>
             <a:fld id="{F1A94D68-23BD-48D2-BC5F-602C755F07C6}" type="datetimeFigureOut">
               <a:rPr lang="en-US" smtClean="0"/>
-              <a:t>1/11/2024</a:t>
+              <a:t>1/18/2024</a:t>
             </a:fld>
             <a:endParaRPr lang="en-US"/>
           </a:p>
@@ -3889,7 +3889,7 @@
           <a:p>
             <a:fld id="{F1A94D68-23BD-48D2-BC5F-602C755F07C6}" type="datetimeFigureOut">
               <a:rPr lang="en-US" smtClean="0"/>
-              <a:t>1/11/2024</a:t>
+              <a:t>1/18/2024</a:t>
             </a:fld>
             <a:endParaRPr lang="en-US"/>
           </a:p>
@@ -4366,25 +4366,11 @@
           <a:p>
             <a:r>
               <a:rPr lang="en-US" dirty="0"/>
-              <a:t>Within-participant design</a:t>
+              <a:t>Chapter 7: Within-participant designs</a:t>
             </a:r>
           </a:p>
           <a:p>
             <a:endParaRPr lang="en-US" dirty="0"/>
-          </a:p>
-          <a:p>
-            <a:r>
-              <a:rPr lang="en-US" dirty="0"/>
-              <a:t>Gino &amp; </a:t>
-            </a:r>
-            <a:r>
-              <a:rPr lang="en-US" dirty="0" err="1"/>
-              <a:t>Wiltermuth</a:t>
-            </a:r>
-            <a:r>
-              <a:rPr lang="en-US" dirty="0"/>
-              <a:t> (2014)</a:t>
-            </a:r>
           </a:p>
         </p:txBody>
       </p:sp>
@@ -4564,7 +4550,7 @@
         <p:spPr bwMode="auto">
           <a:xfrm>
             <a:off x="961901" y="716189"/>
-            <a:ext cx="9547761" cy="5201424"/>
+            <a:ext cx="9547761" cy="5570756"/>
           </a:xfrm>
           <a:prstGeom prst="rect">
             <a:avLst/>
@@ -4593,7 +4579,21 @@
                 <a:latin typeface="Times New Roman" pitchFamily="18" charset="0"/>
                 <a:cs typeface="Times New Roman" pitchFamily="18" charset="0"/>
               </a:rPr>
-              <a:t>In an effort to determine the effects of the drug chlorpromazine on the performance of schizophrenics, two clinical investigators randomly selected 20 acute schizophrenics from a mental hospital population.</a:t>
+              <a:t>In an effort to determine the effects of the drug chlorpromazine on </a:t>
+            </a:r>
+            <a:r>
+              <a:rPr lang="en-US" sz="2400">
+                <a:latin typeface="Times New Roman" pitchFamily="18" charset="0"/>
+                <a:cs typeface="Times New Roman" pitchFamily="18" charset="0"/>
+              </a:rPr>
+              <a:t>the cognitive performance </a:t>
+            </a:r>
+            <a:r>
+              <a:rPr lang="en-US" sz="2400" dirty="0">
+                <a:latin typeface="Times New Roman" pitchFamily="18" charset="0"/>
+                <a:cs typeface="Times New Roman" pitchFamily="18" charset="0"/>
+              </a:rPr>
+              <a:t>of schizophrenics, two clinical investigators randomly selected 20 acute schizophrenics from a mental hospital population.</a:t>
             </a:r>
           </a:p>
           <a:p>

--- a/Class Slides 2024/Class 8.pptx
+++ b/Class Slides 2024/Class 8.pptx
@@ -20,7 +20,7 @@
     <p:sldId id="278" r:id="rId11"/>
   </p:sldIdLst>
   <p:sldSz cx="12192000" cy="6858000"/>
-  <p:notesSz cx="6858000" cy="9144000"/>
+  <p:notesSz cx="7102475" cy="9388475"/>
   <p:defaultTextStyle>
     <a:defPPr>
       <a:defRPr lang="en-US"/>
@@ -517,14 +517,14 @@
         <p:spPr>
           <a:xfrm>
             <a:off x="0" y="0"/>
-            <a:ext cx="2971800" cy="458788"/>
+            <a:ext cx="3077739" cy="471054"/>
           </a:xfrm>
           <a:prstGeom prst="rect">
             <a:avLst/>
           </a:prstGeom>
         </p:spPr>
         <p:txBody>
-          <a:bodyPr vert="horz" lIns="91440" tIns="45720" rIns="91440" bIns="45720" rtlCol="0"/>
+          <a:bodyPr vert="horz" lIns="94229" tIns="47114" rIns="94229" bIns="47114" rtlCol="0"/>
           <a:lstStyle>
             <a:lvl1pPr algn="l">
               <a:defRPr sz="1200"/>
@@ -547,15 +547,15 @@
         </p:nvSpPr>
         <p:spPr>
           <a:xfrm>
-            <a:off x="3884613" y="0"/>
-            <a:ext cx="2971800" cy="458788"/>
+            <a:off x="4023092" y="0"/>
+            <a:ext cx="3077739" cy="471054"/>
           </a:xfrm>
           <a:prstGeom prst="rect">
             <a:avLst/>
           </a:prstGeom>
         </p:spPr>
         <p:txBody>
-          <a:bodyPr vert="horz" lIns="91440" tIns="45720" rIns="91440" bIns="45720" rtlCol="0"/>
+          <a:bodyPr vert="horz" lIns="94229" tIns="47114" rIns="94229" bIns="47114" rtlCol="0"/>
           <a:lstStyle>
             <a:lvl1pPr algn="r">
               <a:defRPr sz="1200"/>
@@ -582,8 +582,8 @@
         </p:nvSpPr>
         <p:spPr>
           <a:xfrm>
-            <a:off x="685800" y="1143000"/>
-            <a:ext cx="5486400" cy="3086100"/>
+            <a:off x="735013" y="1173163"/>
+            <a:ext cx="5632450" cy="3168650"/>
           </a:xfrm>
           <a:prstGeom prst="rect">
             <a:avLst/>
@@ -596,7 +596,7 @@
           </a:ln>
         </p:spPr>
         <p:txBody>
-          <a:bodyPr vert="horz" lIns="91440" tIns="45720" rIns="91440" bIns="45720" rtlCol="0" anchor="ctr"/>
+          <a:bodyPr vert="horz" lIns="94229" tIns="47114" rIns="94229" bIns="47114" rtlCol="0" anchor="ctr"/>
           <a:lstStyle/>
           <a:p>
             <a:endParaRPr lang="en-US"/>
@@ -615,15 +615,15 @@
         </p:nvSpPr>
         <p:spPr>
           <a:xfrm>
-            <a:off x="685800" y="4400550"/>
-            <a:ext cx="5486400" cy="3600450"/>
+            <a:off x="710248" y="4518204"/>
+            <a:ext cx="5681980" cy="3696712"/>
           </a:xfrm>
           <a:prstGeom prst="rect">
             <a:avLst/>
           </a:prstGeom>
         </p:spPr>
         <p:txBody>
-          <a:bodyPr vert="horz" lIns="91440" tIns="45720" rIns="91440" bIns="45720" rtlCol="0"/>
+          <a:bodyPr vert="horz" lIns="94229" tIns="47114" rIns="94229" bIns="47114" rtlCol="0"/>
           <a:lstStyle/>
           <a:p>
             <a:pPr lvl="0"/>
@@ -674,15 +674,15 @@
         </p:nvSpPr>
         <p:spPr>
           <a:xfrm>
-            <a:off x="0" y="8685213"/>
-            <a:ext cx="2971800" cy="458787"/>
+            <a:off x="0" y="8917422"/>
+            <a:ext cx="3077739" cy="471053"/>
           </a:xfrm>
           <a:prstGeom prst="rect">
             <a:avLst/>
           </a:prstGeom>
         </p:spPr>
         <p:txBody>
-          <a:bodyPr vert="horz" lIns="91440" tIns="45720" rIns="91440" bIns="45720" rtlCol="0" anchor="b"/>
+          <a:bodyPr vert="horz" lIns="94229" tIns="47114" rIns="94229" bIns="47114" rtlCol="0" anchor="b"/>
           <a:lstStyle>
             <a:lvl1pPr algn="l">
               <a:defRPr sz="1200"/>
@@ -705,15 +705,15 @@
         </p:nvSpPr>
         <p:spPr>
           <a:xfrm>
-            <a:off x="3884613" y="8685213"/>
-            <a:ext cx="2971800" cy="458787"/>
+            <a:off x="4023092" y="8917422"/>
+            <a:ext cx="3077739" cy="471053"/>
           </a:xfrm>
           <a:prstGeom prst="rect">
             <a:avLst/>
           </a:prstGeom>
         </p:spPr>
         <p:txBody>
-          <a:bodyPr vert="horz" lIns="91440" tIns="45720" rIns="91440" bIns="45720" rtlCol="0" anchor="b"/>
+          <a:bodyPr vert="horz" lIns="94229" tIns="47114" rIns="94229" bIns="47114" rtlCol="0" anchor="b"/>
           <a:lstStyle>
             <a:lvl1pPr algn="r">
               <a:defRPr sz="1200"/>
@@ -4579,21 +4579,7 @@
                 <a:latin typeface="Times New Roman" pitchFamily="18" charset="0"/>
                 <a:cs typeface="Times New Roman" pitchFamily="18" charset="0"/>
               </a:rPr>
-              <a:t>In an effort to determine the effects of the drug chlorpromazine on </a:t>
-            </a:r>
-            <a:r>
-              <a:rPr lang="en-US" sz="2400">
-                <a:latin typeface="Times New Roman" pitchFamily="18" charset="0"/>
-                <a:cs typeface="Times New Roman" pitchFamily="18" charset="0"/>
-              </a:rPr>
-              <a:t>the cognitive performance </a:t>
-            </a:r>
-            <a:r>
-              <a:rPr lang="en-US" sz="2400" dirty="0">
-                <a:latin typeface="Times New Roman" pitchFamily="18" charset="0"/>
-                <a:cs typeface="Times New Roman" pitchFamily="18" charset="0"/>
-              </a:rPr>
-              <a:t>of schizophrenics, two clinical investigators randomly selected 20 acute schizophrenics from a mental hospital population.</a:t>
+              <a:t>In an effort to determine the effects of the drug chlorpromazine on the cognitive performance of schizophrenics, two clinical investigators randomly selected 20 acute schizophrenics from a mental hospital population.</a:t>
             </a:r>
           </a:p>
           <a:p>
@@ -4635,7 +4621,7 @@
                 <a:latin typeface="Times New Roman" pitchFamily="18" charset="0"/>
                 <a:cs typeface="Times New Roman" pitchFamily="18" charset="0"/>
               </a:rPr>
-              <a:t>The investigators used a within-subject design in which all participants first performed the tasks after being injected with a saline solution (placebo) and then performed the tasks again several hours later after being injected with chlorpromazine.  </a:t>
+              <a:t>The investigators used a within-participant design in which all participants first performed the tasks after being injected with a saline solution (placebo) and then performed the tasks again several hours later after being injected with chlorpromazine.  </a:t>
             </a:r>
           </a:p>
           <a:p>
